--- a/documents/иППлан_4.pptx
+++ b/documents/иППлан_4.pptx
@@ -5,7 +5,7 @@
     <p:sldMasterId id="2147483676" r:id="rId1"/>
   </p:sldMasterIdLst>
   <p:notesMasterIdLst>
-    <p:notesMasterId r:id="rId14"/>
+    <p:notesMasterId r:id="rId15"/>
   </p:notesMasterIdLst>
   <p:sldIdLst>
     <p:sldId id="256" r:id="rId2"/>
@@ -19,7 +19,8 @@
     <p:sldId id="260" r:id="rId10"/>
     <p:sldId id="261" r:id="rId11"/>
     <p:sldId id="263" r:id="rId12"/>
-    <p:sldId id="262" r:id="rId13"/>
+    <p:sldId id="268" r:id="rId13"/>
+    <p:sldId id="262" r:id="rId14"/>
   </p:sldIdLst>
   <p:sldSz cx="9144000" cy="6858000" type="screen4x3"/>
   <p:notesSz cx="6858000" cy="9144000"/>
@@ -153,6 +154,7 @@
 
 <file path=ppt/charts/chart1.xml><?xml version="1.0" encoding="utf-8"?>
 <c:chartSpace xmlns:c="http://schemas.openxmlformats.org/drawingml/2006/chart" xmlns:a="http://schemas.openxmlformats.org/drawingml/2006/main" xmlns:r="http://schemas.openxmlformats.org/officeDocument/2006/relationships">
+  <c:date1904 val="1"/>
   <c:lang val="ru-RU"/>
   <c:chart>
     <c:plotArea>
@@ -161,10 +163,10 @@
           <c:layoutTarget val="inner"/>
           <c:xMode val="edge"/>
           <c:yMode val="edge"/>
-          <c:x val="5.106382978723404E-2"/>
-          <c:y val="0.19615384615384615"/>
+          <c:x val="5.1063829787234047E-2"/>
+          <c:y val="0.19615384615384618"/>
           <c:w val="0.42978723404255331"/>
-          <c:h val="0.77692307692307749"/>
+          <c:h val="0.77692307692307772"/>
         </c:manualLayout>
       </c:layout>
       <c:doughnutChart>
@@ -353,7 +355,7 @@
               <c:idx val="3"/>
               <c:layout>
                 <c:manualLayout>
-                  <c:x val="-3.3668397833249562E-2"/>
+                  <c:x val="-3.3668397833249569E-2"/>
                   <c:y val="-0.14288956188168786"/>
                 </c:manualLayout>
               </c:layout>
@@ -364,7 +366,7 @@
               <c:layout>
                 <c:manualLayout>
                   <c:x val="5.6777796392472393E-3"/>
-                  <c:y val="-0.15742984050070674"/>
+                  <c:y val="-0.15742984050070677"/>
                 </c:manualLayout>
               </c:layout>
               <c:showPercent val="1"/>
@@ -464,8 +466,8 @@
           <c:yMode val="edge"/>
           <c:x val="0.53783700551527203"/>
           <c:y val="0.32759908250250502"/>
-          <c:w val="0.41960986790769261"/>
-          <c:h val="0.41470860730104558"/>
+          <c:w val="0.41960986790769272"/>
+          <c:h val="0.41470860730104564"/>
         </c:manualLayout>
       </c:layout>
       <c:spPr>
@@ -533,9 +535,9 @@
           <c:layoutTarget val="inner"/>
           <c:xMode val="edge"/>
           <c:yMode val="edge"/>
-          <c:x val="3.0164975670020067E-2"/>
-          <c:y val="0.11513350005241169"/>
-          <c:w val="0.89069108761071891"/>
+          <c:x val="3.0164975670020078E-2"/>
+          <c:y val="0.1151335000524117"/>
+          <c:w val="0.89069108761071902"/>
           <c:h val="0.59378754738990958"/>
         </c:manualLayout>
       </c:layout>
@@ -697,7 +699,7 @@
                   <c:v>0</c:v>
                 </c:pt>
                 <c:pt idx="1">
-                  <c:v>0.6</c:v>
+                  <c:v>0.60000000000000009</c:v>
                 </c:pt>
                 <c:pt idx="2">
                   <c:v>4.5</c:v>
@@ -777,7 +779,7 @@
               <c:idx val="0"/>
               <c:layout>
                 <c:manualLayout>
-                  <c:x val="5.3697897854511338E-2"/>
+                  <c:x val="5.3697897854511359E-2"/>
                   <c:y val="-6.5779828880906499E-2"/>
                 </c:manualLayout>
               </c:layout>
@@ -800,7 +802,7 @@
               <c:layout>
                 <c:manualLayout>
                   <c:x val="0.20387359836901117"/>
-                  <c:y val="-0.35448168676800607"/>
+                  <c:y val="-0.35448168676800612"/>
                 </c:manualLayout>
               </c:layout>
               <c:tx>
@@ -821,8 +823,8 @@
               <c:idx val="2"/>
               <c:layout>
                 <c:manualLayout>
-                  <c:x val="0.30456243428287089"/>
-                  <c:y val="-0.20182949940925063"/>
+                  <c:x val="0.304562434282871"/>
+                  <c:y val="-0.20182949940925066"/>
                 </c:manualLayout>
               </c:layout>
               <c:tx>
@@ -843,8 +845,8 @@
               <c:idx val="3"/>
               <c:layout>
                 <c:manualLayout>
-                  <c:x val="0.21106942085159508"/>
-                  <c:y val="-3.0165489973344846E-2"/>
+                  <c:x val="0.21106942085159514"/>
+                  <c:y val="-3.0165489973344839E-2"/>
                 </c:manualLayout>
               </c:layout>
               <c:tx>
@@ -926,8 +928,8 @@
         </c:ser>
         <c:dropLines/>
         <c:marker val="1"/>
-        <c:axId val="214488576"/>
-        <c:axId val="214490112"/>
+        <c:axId val="117942912"/>
+        <c:axId val="117961088"/>
       </c:lineChart>
       <c:lineChart>
         <c:grouping val="standard"/>
@@ -981,7 +983,7 @@
                   <c:v>0</c:v>
                 </c:pt>
                 <c:pt idx="1">
-                  <c:v>0.6</c:v>
+                  <c:v>0.60000000000000009</c:v>
                 </c:pt>
                 <c:pt idx="2">
                   <c:v>4.5</c:v>
@@ -997,11 +999,11 @@
           </c:val>
         </c:ser>
         <c:marker val="1"/>
-        <c:axId val="211888768"/>
-        <c:axId val="211886848"/>
+        <c:axId val="117047296"/>
+        <c:axId val="117962624"/>
       </c:lineChart>
       <c:dateAx>
-        <c:axId val="214488576"/>
+        <c:axId val="117942912"/>
         <c:scaling>
           <c:orientation val="minMax"/>
         </c:scaling>
@@ -1025,7 +1027,7 @@
             <a:endParaRPr lang="ru-RU"/>
           </a:p>
         </c:txPr>
-        <c:crossAx val="214490112"/>
+        <c:crossAx val="117961088"/>
         <c:crosses val="autoZero"/>
         <c:lblOffset val="100"/>
         <c:baseTimeUnit val="months"/>
@@ -1033,7 +1035,7 @@
         <c:majorTimeUnit val="months"/>
       </c:dateAx>
       <c:valAx>
-        <c:axId val="214490112"/>
+        <c:axId val="117961088"/>
         <c:scaling>
           <c:orientation val="minMax"/>
         </c:scaling>
@@ -1041,12 +1043,12 @@
         <c:axPos val="l"/>
         <c:numFmt formatCode="General" sourceLinked="1"/>
         <c:tickLblPos val="nextTo"/>
-        <c:crossAx val="214488576"/>
+        <c:crossAx val="117942912"/>
         <c:crosses val="autoZero"/>
         <c:crossBetween val="between"/>
       </c:valAx>
       <c:valAx>
-        <c:axId val="211886848"/>
+        <c:axId val="117962624"/>
         <c:scaling>
           <c:orientation val="minMax"/>
         </c:scaling>
@@ -1094,19 +1096,19 @@
             <c:manualLayout>
               <c:xMode val="edge"/>
               <c:yMode val="edge"/>
-              <c:x val="0.77813866867445836"/>
-              <c:y val="3.1520728152772725E-3"/>
+              <c:x val="0.77813866867445858"/>
+              <c:y val="3.1520728152772729E-3"/>
             </c:manualLayout>
           </c:layout>
         </c:title>
         <c:numFmt formatCode="#,##0.0" sourceLinked="0"/>
         <c:tickLblPos val="nextTo"/>
-        <c:crossAx val="211888768"/>
+        <c:crossAx val="117047296"/>
         <c:crosses val="max"/>
         <c:crossBetween val="between"/>
       </c:valAx>
       <c:dateAx>
-        <c:axId val="211888768"/>
+        <c:axId val="117047296"/>
         <c:scaling>
           <c:orientation val="minMax"/>
         </c:scaling>
@@ -1114,7 +1116,7 @@
         <c:axPos val="b"/>
         <c:numFmt formatCode="dd/mm/yyyy" sourceLinked="1"/>
         <c:tickLblPos val="nextTo"/>
-        <c:crossAx val="211886848"/>
+        <c:crossAx val="117962624"/>
         <c:crosses val="autoZero"/>
         <c:auto val="1"/>
         <c:lblOffset val="100"/>
@@ -1876,7 +1878,7 @@
       </p:grpSpPr>
       <p:sp>
         <p:nvSpPr>
-          <p:cNvPr id="25602" name="Образ слайда 1"/>
+          <p:cNvPr id="24578" name="Образ слайда 1"/>
           <p:cNvSpPr>
             <a:spLocks noGrp="1" noRot="1" noChangeAspect="1" noTextEdit="1"/>
           </p:cNvSpPr>
@@ -1898,7 +1900,7 @@
       </p:sp>
       <p:sp>
         <p:nvSpPr>
-          <p:cNvPr id="25603" name="Заметки 2"/>
+          <p:cNvPr id="24579" name="Заметки 2"/>
           <p:cNvSpPr>
             <a:spLocks noGrp="1"/>
           </p:cNvSpPr>
@@ -1928,7 +1930,7 @@
       </p:sp>
       <p:sp>
         <p:nvSpPr>
-          <p:cNvPr id="25604" name="Номер слайда 3"/>
+          <p:cNvPr id="24580" name="Номер слайда 3"/>
           <p:cNvSpPr>
             <a:spLocks noGrp="1"/>
           </p:cNvSpPr>
@@ -1952,10 +1954,122 @@
           </a:bodyPr>
           <a:lstStyle/>
           <a:p>
+            <a:fld id="{B0A55965-CBD5-4935-B5A4-DC9BE863990D}" type="slidenum">
+              <a:rPr lang="ru-RU" smtClean="0"/>
+              <a:pPr/>
+              <a:t>12</a:t>
+            </a:fld>
+            <a:endParaRPr lang="ru-RU" smtClean="0"/>
+          </a:p>
+        </p:txBody>
+      </p:sp>
+    </p:spTree>
+  </p:cSld>
+  <p:clrMapOvr>
+    <a:masterClrMapping/>
+  </p:clrMapOvr>
+</p:notes>
+</file>
+
+<file path=ppt/notesSlides/notesSlide13.xml><?xml version="1.0" encoding="utf-8"?>
+<p:notes xmlns:a="http://schemas.openxmlformats.org/drawingml/2006/main" xmlns:r="http://schemas.openxmlformats.org/officeDocument/2006/relationships" xmlns:p="http://schemas.openxmlformats.org/presentationml/2006/main">
+  <p:cSld>
+    <p:spTree>
+      <p:nvGrpSpPr>
+        <p:cNvPr id="1" name=""/>
+        <p:cNvGrpSpPr/>
+        <p:nvPr/>
+      </p:nvGrpSpPr>
+      <p:grpSpPr>
+        <a:xfrm>
+          <a:off x="0" y="0"/>
+          <a:ext cx="0" cy="0"/>
+          <a:chOff x="0" y="0"/>
+          <a:chExt cx="0" cy="0"/>
+        </a:xfrm>
+      </p:grpSpPr>
+      <p:sp>
+        <p:nvSpPr>
+          <p:cNvPr id="25602" name="Образ слайда 1"/>
+          <p:cNvSpPr>
+            <a:spLocks noGrp="1" noRot="1" noChangeAspect="1" noTextEdit="1"/>
+          </p:cNvSpPr>
+          <p:nvPr>
+            <p:ph type="sldImg"/>
+          </p:nvPr>
+        </p:nvSpPr>
+        <p:spPr bwMode="auto">
+          <a:noFill/>
+          <a:ln>
+            <a:solidFill>
+              <a:srgbClr val="000000"/>
+            </a:solidFill>
+            <a:miter lim="800000"/>
+            <a:headEnd/>
+            <a:tailEnd/>
+          </a:ln>
+        </p:spPr>
+      </p:sp>
+      <p:sp>
+        <p:nvSpPr>
+          <p:cNvPr id="25603" name="Заметки 2"/>
+          <p:cNvSpPr>
+            <a:spLocks noGrp="1"/>
+          </p:cNvSpPr>
+          <p:nvPr>
+            <p:ph type="body" idx="1"/>
+          </p:nvPr>
+        </p:nvSpPr>
+        <p:spPr bwMode="auto">
+          <a:noFill/>
+        </p:spPr>
+        <p:txBody>
+          <a:bodyPr wrap="square" numCol="1" anchor="t" anchorCtr="0" compatLnSpc="1">
+            <a:prstTxWarp prst="textNoShape">
+              <a:avLst/>
+            </a:prstTxWarp>
+          </a:bodyPr>
+          <a:lstStyle/>
+          <a:p>
+            <a:pPr eaLnBrk="1" hangingPunct="1">
+              <a:spcBef>
+                <a:spcPct val="0"/>
+              </a:spcBef>
+            </a:pPr>
+            <a:endParaRPr lang="ru-RU" smtClean="0"/>
+          </a:p>
+        </p:txBody>
+      </p:sp>
+      <p:sp>
+        <p:nvSpPr>
+          <p:cNvPr id="25604" name="Номер слайда 3"/>
+          <p:cNvSpPr>
+            <a:spLocks noGrp="1"/>
+          </p:cNvSpPr>
+          <p:nvPr>
+            <p:ph type="sldNum" sz="quarter" idx="5"/>
+          </p:nvPr>
+        </p:nvSpPr>
+        <p:spPr bwMode="auto">
+          <a:noFill/>
+          <a:ln>
+            <a:miter lim="800000"/>
+            <a:headEnd/>
+            <a:tailEnd/>
+          </a:ln>
+        </p:spPr>
+        <p:txBody>
+          <a:bodyPr wrap="square" numCol="1" anchorCtr="0" compatLnSpc="1">
+            <a:prstTxWarp prst="textNoShape">
+              <a:avLst/>
+            </a:prstTxWarp>
+          </a:bodyPr>
+          <a:lstStyle/>
+          <a:p>
             <a:fld id="{4B77852E-9AF4-4AF9-8B83-FFAF94749BF0}" type="slidenum">
               <a:rPr lang="ru-RU" smtClean="0"/>
               <a:pPr/>
-              <a:t>12</a:t>
+              <a:t>13</a:t>
             </a:fld>
             <a:endParaRPr lang="ru-RU" smtClean="0"/>
           </a:p>
@@ -6692,15 +6806,7 @@
             <a:pPr eaLnBrk="1" hangingPunct="1"/>
             <a:r>
               <a:rPr lang="ru-RU" altLang="ja-JP" dirty="0" smtClean="0"/>
-              <a:t>планирование и контроль </a:t>
-            </a:r>
-            <a:r>
-              <a:rPr lang="ru-RU" altLang="ja-JP" dirty="0" smtClean="0"/>
-              <a:t>сделок </a:t>
-            </a:r>
-            <a:r>
-              <a:rPr lang="ru-RU" altLang="ja-JP" dirty="0" smtClean="0"/>
-              <a:t>предпринимателя</a:t>
+              <a:t>планирование и контроль сделок предпринимателя</a:t>
             </a:r>
             <a:endParaRPr lang="ru-RU" dirty="0" smtClean="0"/>
           </a:p>
@@ -6860,15 +6966,7 @@
             </a:r>
             <a:r>
               <a:rPr lang="ru-RU" dirty="0" smtClean="0"/>
-              <a:t> стоимости 40%-ой доли через 2.5 года составляет </a:t>
-            </a:r>
-            <a:r>
-              <a:rPr lang="ru-RU" dirty="0" smtClean="0"/>
-              <a:t>35 </a:t>
-            </a:r>
-            <a:r>
-              <a:rPr lang="ru-RU" dirty="0" smtClean="0"/>
-              <a:t>млн.руб.</a:t>
+              <a:t> стоимости 40%-ой доли через 2.5 года составляет 35 млн.руб.</a:t>
             </a:r>
           </a:p>
         </p:txBody>
@@ -6979,7 +7077,7 @@
         <p:spPr>
           <a:xfrm>
             <a:off x="3667125" y="257175"/>
-            <a:ext cx="4860925" cy="1216025"/>
+            <a:ext cx="5334031" cy="1216025"/>
           </a:xfrm>
         </p:spPr>
         <p:txBody>
@@ -6988,13 +7086,14 @@
           <a:p>
             <a:pPr eaLnBrk="1" hangingPunct="1"/>
             <a:r>
-              <a:rPr lang="en-US" smtClean="0"/>
+              <a:rPr lang="en-US" sz="3500" dirty="0" smtClean="0"/>
               <a:t>: </a:t>
             </a:r>
             <a:r>
-              <a:rPr lang="ru-RU" smtClean="0"/>
-              <a:t>команда</a:t>
-            </a:r>
+              <a:rPr lang="ru-RU" sz="3500" dirty="0" smtClean="0"/>
+              <a:t>технологии и статус</a:t>
+            </a:r>
+            <a:endParaRPr lang="ru-RU" sz="3500" dirty="0" smtClean="0"/>
           </a:p>
         </p:txBody>
       </p:sp>
@@ -7059,6 +7158,266 @@
           </a:prstGeom>
         </p:spPr>
       </p:pic>
+      <p:sp>
+        <p:nvSpPr>
+          <p:cNvPr id="8" name="Rectangle 3"/>
+          <p:cNvSpPr txBox="1">
+            <a:spLocks noChangeArrowheads="1"/>
+          </p:cNvSpPr>
+          <p:nvPr/>
+        </p:nvSpPr>
+        <p:spPr bwMode="auto">
+          <a:xfrm>
+            <a:off x="566738" y="1752600"/>
+            <a:ext cx="8220104" cy="4267200"/>
+          </a:xfrm>
+          <a:prstGeom prst="rect">
+            <a:avLst/>
+          </a:prstGeom>
+          <a:noFill/>
+          <a:ln w="9525">
+            <a:noFill/>
+            <a:miter lim="800000"/>
+            <a:headEnd/>
+            <a:tailEnd/>
+          </a:ln>
+        </p:spPr>
+        <p:txBody>
+          <a:bodyPr vert="horz" wrap="square" lIns="91440" tIns="45720" rIns="91440" bIns="45720" numCol="1" anchor="t" anchorCtr="0" compatLnSpc="1">
+            <a:prstTxWarp prst="textNoShape">
+              <a:avLst/>
+            </a:prstTxWarp>
+          </a:bodyPr>
+          <a:lstStyle/>
+          <a:p>
+            <a:pPr marL="469900" marR="0" lvl="0" indent="-469900" algn="l" defTabSz="914400" rtl="0" eaLnBrk="1" fontAlgn="base" latinLnBrk="0" hangingPunct="1">
+              <a:lnSpc>
+                <a:spcPct val="100000"/>
+              </a:lnSpc>
+              <a:spcBef>
+                <a:spcPct val="20000"/>
+              </a:spcBef>
+              <a:spcAft>
+                <a:spcPct val="0"/>
+              </a:spcAft>
+              <a:buClr>
+                <a:schemeClr val="accent2"/>
+              </a:buClr>
+              <a:buSzTx/>
+              <a:buFont typeface="Wingdings" pitchFamily="2" charset="2"/>
+              <a:buChar char="o"/>
+              <a:tabLst/>
+              <a:defRPr/>
+            </a:pPr>
+            <a:r>
+              <a:rPr kumimoji="0" lang="ru-RU" sz="3000" b="0" i="0" u="none" strike="noStrike" kern="0" cap="none" spc="0" normalizeH="0" baseline="0" noProof="0" dirty="0" smtClean="0">
+                <a:ln>
+                  <a:noFill/>
+                </a:ln>
+                <a:solidFill>
+                  <a:schemeClr val="tx1"/>
+                </a:solidFill>
+                <a:effectLst/>
+                <a:uLnTx/>
+                <a:uFillTx/>
+                <a:latin typeface="+mn-lt"/>
+                <a:ea typeface="+mn-ea"/>
+                <a:cs typeface="+mn-cs"/>
+              </a:rPr>
+              <a:t>Проект находится в высокой степени готовности. Развернута демонстрационная</a:t>
+            </a:r>
+            <a:r>
+              <a:rPr kumimoji="0" lang="ru-RU" sz="3000" b="0" i="0" u="none" strike="noStrike" kern="0" cap="none" spc="0" normalizeH="0" noProof="0" dirty="0" smtClean="0">
+                <a:ln>
+                  <a:noFill/>
+                </a:ln>
+                <a:solidFill>
+                  <a:schemeClr val="tx1"/>
+                </a:solidFill>
+                <a:effectLst/>
+                <a:uLnTx/>
+                <a:uFillTx/>
+                <a:latin typeface="+mn-lt"/>
+                <a:ea typeface="+mn-ea"/>
+                <a:cs typeface="+mn-cs"/>
+              </a:rPr>
+              <a:t> версия по адресу </a:t>
+            </a:r>
+            <a:r>
+              <a:rPr kumimoji="0" lang="en-US" sz="3000" b="0" i="0" u="none" strike="noStrike" kern="0" cap="none" spc="0" normalizeH="0" noProof="0" dirty="0" smtClean="0">
+                <a:ln>
+                  <a:noFill/>
+                </a:ln>
+                <a:solidFill>
+                  <a:schemeClr val="tx1"/>
+                </a:solidFill>
+                <a:effectLst/>
+                <a:uLnTx/>
+                <a:uFillTx/>
+                <a:latin typeface="+mn-lt"/>
+                <a:ea typeface="+mn-ea"/>
+                <a:cs typeface="+mn-cs"/>
+              </a:rPr>
+              <a:t>www.ipplan.ru</a:t>
+            </a:r>
+            <a:endParaRPr kumimoji="0" lang="ru-RU" sz="3000" b="0" i="0" u="none" strike="noStrike" kern="0" cap="none" spc="0" normalizeH="0" baseline="0" noProof="0" dirty="0" smtClean="0">
+              <a:ln>
+                <a:noFill/>
+              </a:ln>
+              <a:solidFill>
+                <a:schemeClr val="tx1"/>
+              </a:solidFill>
+              <a:effectLst/>
+              <a:uLnTx/>
+              <a:uFillTx/>
+              <a:latin typeface="+mn-lt"/>
+              <a:ea typeface="+mn-ea"/>
+              <a:cs typeface="+mn-cs"/>
+            </a:endParaRPr>
+          </a:p>
+          <a:p>
+            <a:pPr marL="469900" lvl="0" indent="-469900">
+              <a:spcBef>
+                <a:spcPct val="20000"/>
+              </a:spcBef>
+              <a:buClr>
+                <a:schemeClr val="accent2"/>
+              </a:buClr>
+              <a:buFont typeface="Wingdings" pitchFamily="2" charset="2"/>
+              <a:buChar char="o"/>
+            </a:pPr>
+            <a:r>
+              <a:rPr kumimoji="0" lang="ru-RU" sz="3000" b="0" i="0" u="none" strike="noStrike" kern="0" cap="none" spc="0" normalizeH="0" baseline="0" noProof="0" dirty="0" smtClean="0">
+                <a:ln>
+                  <a:noFill/>
+                </a:ln>
+                <a:solidFill>
+                  <a:schemeClr val="tx1"/>
+                </a:solidFill>
+                <a:effectLst/>
+                <a:uLnTx/>
+                <a:uFillTx/>
+                <a:latin typeface="+mn-lt"/>
+                <a:ea typeface="+mn-ea"/>
+                <a:cs typeface="+mn-cs"/>
+              </a:rPr>
+              <a:t>Использован</a:t>
+            </a:r>
+            <a:r>
+              <a:rPr kumimoji="0" lang="ru-RU" sz="3000" b="0" i="0" u="none" strike="noStrike" kern="0" cap="none" spc="0" normalizeH="0" noProof="0" dirty="0" smtClean="0">
+                <a:ln>
+                  <a:noFill/>
+                </a:ln>
+                <a:solidFill>
+                  <a:schemeClr val="tx1"/>
+                </a:solidFill>
+                <a:effectLst/>
+                <a:uLnTx/>
+                <a:uFillTx/>
+                <a:latin typeface="+mn-lt"/>
+                <a:ea typeface="+mn-ea"/>
+                <a:cs typeface="+mn-cs"/>
+              </a:rPr>
+              <a:t> технологический стек</a:t>
+            </a:r>
+            <a:r>
+              <a:rPr kumimoji="0" lang="en-US" sz="3000" b="0" i="0" u="none" strike="noStrike" kern="0" cap="none" spc="0" normalizeH="0" noProof="0" dirty="0" smtClean="0">
+                <a:ln>
+                  <a:noFill/>
+                </a:ln>
+                <a:solidFill>
+                  <a:schemeClr val="tx1"/>
+                </a:solidFill>
+                <a:effectLst/>
+                <a:uLnTx/>
+                <a:uFillTx/>
+                <a:latin typeface="+mn-lt"/>
+                <a:ea typeface="+mn-ea"/>
+                <a:cs typeface="+mn-cs"/>
+              </a:rPr>
+              <a:t>: </a:t>
+            </a:r>
+            <a:r>
+              <a:rPr lang="en-US" sz="3000" kern="0" dirty="0" smtClean="0">
+                <a:latin typeface="+mn-lt"/>
+              </a:rPr>
+              <a:t>Java, GWT, HTML/</a:t>
+            </a:r>
+            <a:r>
+              <a:rPr lang="en-US" sz="3000" kern="0" dirty="0" smtClean="0"/>
+              <a:t>CSS</a:t>
+            </a:r>
+            <a:r>
+              <a:rPr lang="en-US" sz="3000" kern="0" dirty="0" smtClean="0">
+                <a:latin typeface="+mn-lt"/>
+              </a:rPr>
+              <a:t>/</a:t>
+            </a:r>
+            <a:r>
+              <a:rPr lang="en-US" sz="3000" kern="0" dirty="0" err="1" smtClean="0">
+                <a:latin typeface="+mn-lt"/>
+              </a:rPr>
+              <a:t>Javascript</a:t>
+            </a:r>
+            <a:r>
+              <a:rPr lang="en-US" sz="3000" kern="0" dirty="0" smtClean="0">
+                <a:latin typeface="+mn-lt"/>
+              </a:rPr>
+              <a:t>, Tomcat, Firebird</a:t>
+            </a:r>
+            <a:endParaRPr lang="en-US" sz="3000" kern="0" dirty="0" smtClean="0">
+              <a:latin typeface="+mn-lt"/>
+            </a:endParaRPr>
+          </a:p>
+          <a:p>
+            <a:pPr marL="469900" marR="0" lvl="0" indent="-469900" algn="l" defTabSz="914400" rtl="0" eaLnBrk="1" fontAlgn="base" latinLnBrk="0" hangingPunct="1">
+              <a:lnSpc>
+                <a:spcPct val="100000"/>
+              </a:lnSpc>
+              <a:spcBef>
+                <a:spcPct val="20000"/>
+              </a:spcBef>
+              <a:spcAft>
+                <a:spcPct val="0"/>
+              </a:spcAft>
+              <a:buClr>
+                <a:schemeClr val="accent2"/>
+              </a:buClr>
+              <a:buSzTx/>
+              <a:buFont typeface="Wingdings" pitchFamily="2" charset="2"/>
+              <a:buChar char="o"/>
+              <a:tabLst/>
+              <a:defRPr/>
+            </a:pPr>
+            <a:r>
+              <a:rPr lang="ru-RU" sz="3000" kern="0" dirty="0" smtClean="0">
+                <a:latin typeface="+mn-lt"/>
+              </a:rPr>
+              <a:t>Реализована интеграция с сервисами </a:t>
+            </a:r>
+            <a:r>
+              <a:rPr lang="en-US" sz="3000" kern="0" dirty="0" smtClean="0">
+                <a:latin typeface="+mn-lt"/>
+              </a:rPr>
+              <a:t>Google: Contacts, Calendar, Drive</a:t>
+            </a:r>
+            <a:endParaRPr kumimoji="0" lang="ru-RU" sz="3000" b="0" i="0" u="none" strike="noStrike" kern="0" cap="none" spc="0" normalizeH="0" baseline="0" noProof="0" dirty="0" smtClean="0">
+              <a:ln>
+                <a:noFill/>
+              </a:ln>
+              <a:solidFill>
+                <a:schemeClr val="tx1"/>
+              </a:solidFill>
+              <a:effectLst/>
+              <a:uLnTx/>
+              <a:uFillTx/>
+              <a:latin typeface="+mn-lt"/>
+              <a:ea typeface="+mn-ea"/>
+              <a:cs typeface="+mn-cs"/>
+            </a:endParaRPr>
+          </a:p>
+        </p:txBody>
+      </p:sp>
     </p:spTree>
   </p:cSld>
   <p:clrMapOvr>
@@ -7093,18 +7452,18 @@
       </p:grpSpPr>
       <p:sp>
         <p:nvSpPr>
-          <p:cNvPr id="13314" name="Rectangle 3"/>
+          <p:cNvPr id="12290" name="Rectangle 2"/>
           <p:cNvSpPr>
             <a:spLocks noGrp="1" noChangeArrowheads="1"/>
           </p:cNvSpPr>
           <p:nvPr>
-            <p:ph type="body" idx="1"/>
+            <p:ph type="title"/>
           </p:nvPr>
         </p:nvSpPr>
         <p:spPr>
           <a:xfrm>
-            <a:off x="566738" y="2767013"/>
-            <a:ext cx="8001000" cy="3090862"/>
+            <a:off x="3667125" y="257175"/>
+            <a:ext cx="4860925" cy="1216025"/>
           </a:xfrm>
         </p:spPr>
         <p:txBody>
@@ -7112,89 +7471,20 @@
           <a:lstStyle/>
           <a:p>
             <a:pPr eaLnBrk="1" hangingPunct="1"/>
-            <a:endParaRPr lang="ru-RU" dirty="0" smtClean="0"/>
-          </a:p>
-          <a:p>
-            <a:pPr eaLnBrk="1" hangingPunct="1"/>
-            <a:endParaRPr lang="ru-RU" dirty="0" smtClean="0"/>
-          </a:p>
-          <a:p>
-            <a:pPr algn="ctr" eaLnBrk="1" hangingPunct="1">
-              <a:buFont typeface="Wingdings" pitchFamily="2" charset="2"/>
-              <a:buNone/>
-            </a:pPr>
+            <a:r>
+              <a:rPr lang="en-US" dirty="0" smtClean="0"/>
+              <a:t>: </a:t>
+            </a:r>
             <a:r>
               <a:rPr lang="ru-RU" dirty="0" smtClean="0"/>
-              <a:t>Спасибо за внимание!</a:t>
-            </a:r>
-          </a:p>
-        </p:txBody>
-      </p:sp>
-      <p:sp>
-        <p:nvSpPr>
-          <p:cNvPr id="9" name="Rectangle 3"/>
-          <p:cNvSpPr txBox="1">
-            <a:spLocks noChangeArrowheads="1"/>
-          </p:cNvSpPr>
-          <p:nvPr/>
-        </p:nvSpPr>
-        <p:spPr bwMode="auto">
-          <a:xfrm>
-            <a:off x="1643042" y="1785926"/>
-            <a:ext cx="7010400" cy="714375"/>
-          </a:xfrm>
-          <a:prstGeom prst="rect">
-            <a:avLst/>
-          </a:prstGeom>
-          <a:noFill/>
-          <a:ln w="9525">
-            <a:noFill/>
-            <a:miter lim="800000"/>
-            <a:headEnd/>
-            <a:tailEnd/>
-          </a:ln>
-          <a:effectLst/>
-        </p:spPr>
-        <p:txBody>
-          <a:bodyPr/>
-          <a:lstStyle/>
-          <a:p>
-            <a:pPr algn="r">
-              <a:spcBef>
-                <a:spcPct val="20000"/>
-              </a:spcBef>
-              <a:buClr>
-                <a:schemeClr val="accent2"/>
-              </a:buClr>
-              <a:defRPr/>
-            </a:pPr>
-            <a:r>
-              <a:rPr lang="ru-RU" altLang="ja-JP" sz="2000" kern="0" dirty="0">
-                <a:latin typeface="+mn-lt"/>
-              </a:rPr>
-              <a:t>планирование и контроль </a:t>
-            </a:r>
-            <a:r>
-              <a:rPr lang="ru-RU" altLang="ja-JP" sz="2000" kern="0" dirty="0" smtClean="0">
-                <a:latin typeface="+mn-lt"/>
-              </a:rPr>
-              <a:t>сделок </a:t>
-            </a:r>
-            <a:r>
-              <a:rPr lang="ru-RU" altLang="ja-JP" sz="2000" kern="0" dirty="0">
-                <a:latin typeface="+mn-lt"/>
-              </a:rPr>
-              <a:t>предпринимателя</a:t>
-            </a:r>
-            <a:endParaRPr lang="ru-RU" sz="2000" kern="0" dirty="0">
-              <a:latin typeface="+mn-lt"/>
-            </a:endParaRPr>
-          </a:p>
-        </p:txBody>
-      </p:sp>
-      <p:sp>
-        <p:nvSpPr>
-          <p:cNvPr id="10" name="Номер слайда 9"/>
+              <a:t>команда</a:t>
+            </a:r>
+          </a:p>
+        </p:txBody>
+      </p:sp>
+      <p:sp>
+        <p:nvSpPr>
+          <p:cNvPr id="6" name="Номер слайда 5"/>
           <p:cNvSpPr>
             <a:spLocks noGrp="1"/>
           </p:cNvSpPr>
@@ -7210,7 +7500,7 @@
             <a:pPr>
               <a:defRPr/>
             </a:pPr>
-            <a:fld id="{33932CED-37CE-4FB4-BD55-516233DF09EC}" type="slidenum">
+            <a:fld id="{D1F7B081-0C80-48F4-A4C4-62883820AC7F}" type="slidenum">
               <a:rPr lang="ru-RU">
                 <a:solidFill>
                   <a:schemeClr val="accent6"/>
@@ -7221,7 +7511,7 @@
               </a:pPr>
               <a:t>12</a:t>
             </a:fld>
-            <a:endParaRPr lang="ru-RU" dirty="0">
+            <a:endParaRPr lang="ru-RU">
               <a:solidFill>
                 <a:schemeClr val="accent6"/>
               </a:solidFill>
@@ -7231,7 +7521,7 @@
       </p:sp>
       <p:pic>
         <p:nvPicPr>
-          <p:cNvPr id="7" name="Рисунок 6" descr="logo5.png"/>
+          <p:cNvPr id="5" name="Рисунок 4" descr="logo5.png"/>
           <p:cNvPicPr>
             <a:picLocks noChangeAspect="1"/>
           </p:cNvPicPr>
@@ -7253,6 +7543,303 @@
           </a:prstGeom>
         </p:spPr>
       </p:pic>
+      <p:pic>
+        <p:nvPicPr>
+          <p:cNvPr id="7" name="Рисунок 6" descr="noname.png"/>
+          <p:cNvPicPr>
+            <a:picLocks noChangeAspect="1"/>
+          </p:cNvPicPr>
+          <p:nvPr/>
+        </p:nvPicPr>
+        <p:blipFill>
+          <a:blip r:embed="rId4"/>
+          <a:stretch>
+            <a:fillRect/>
+          </a:stretch>
+        </p:blipFill>
+        <p:spPr>
+          <a:xfrm>
+            <a:off x="785786" y="2143116"/>
+            <a:ext cx="1523810" cy="1523810"/>
+          </a:xfrm>
+          <a:prstGeom prst="rect">
+            <a:avLst/>
+          </a:prstGeom>
+        </p:spPr>
+      </p:pic>
+      <p:sp>
+        <p:nvSpPr>
+          <p:cNvPr id="8" name="TextBox 7"/>
+          <p:cNvSpPr txBox="1"/>
+          <p:nvPr/>
+        </p:nvSpPr>
+        <p:spPr>
+          <a:xfrm>
+            <a:off x="2643174" y="2214554"/>
+            <a:ext cx="5857916" cy="1138773"/>
+          </a:xfrm>
+          <a:prstGeom prst="rect">
+            <a:avLst/>
+          </a:prstGeom>
+          <a:noFill/>
+        </p:spPr>
+        <p:txBody>
+          <a:bodyPr wrap="square" rtlCol="0">
+            <a:spAutoFit/>
+          </a:bodyPr>
+          <a:lstStyle/>
+          <a:p>
+            <a:r>
+              <a:rPr lang="ru-RU" sz="2000" dirty="0" smtClean="0"/>
+              <a:t>Андрей Клюев, </a:t>
+            </a:r>
+          </a:p>
+          <a:p>
+            <a:r>
+              <a:rPr lang="ru-RU" sz="1600" dirty="0" smtClean="0"/>
+              <a:t>основатель, технический директор проекта</a:t>
+            </a:r>
+          </a:p>
+          <a:p>
+            <a:r>
+              <a:rPr lang="ru-RU" sz="1600" dirty="0" smtClean="0"/>
+              <a:t>опыт работы в ИТ 15 </a:t>
+            </a:r>
+            <a:r>
+              <a:rPr lang="ru-RU" sz="1600" dirty="0" smtClean="0"/>
+              <a:t>лет, от разработчика до директора ИТ компании</a:t>
+            </a:r>
+            <a:endParaRPr lang="ru-RU" sz="1600" dirty="0" smtClean="0"/>
+          </a:p>
+        </p:txBody>
+      </p:sp>
+    </p:spTree>
+  </p:cSld>
+  <p:clrMapOvr>
+    <a:masterClrMapping/>
+  </p:clrMapOvr>
+  <p:timing>
+    <p:tnLst>
+      <p:par>
+        <p:cTn id="1" dur="indefinite" restart="never" nodeType="tmRoot"/>
+      </p:par>
+    </p:tnLst>
+  </p:timing>
+</p:sld>
+</file>
+
+<file path=ppt/slides/slide13.xml><?xml version="1.0" encoding="utf-8"?>
+<p:sld xmlns:a="http://schemas.openxmlformats.org/drawingml/2006/main" xmlns:r="http://schemas.openxmlformats.org/officeDocument/2006/relationships" xmlns:p="http://schemas.openxmlformats.org/presentationml/2006/main">
+  <p:cSld>
+    <p:spTree>
+      <p:nvGrpSpPr>
+        <p:cNvPr id="1" name=""/>
+        <p:cNvGrpSpPr/>
+        <p:nvPr/>
+      </p:nvGrpSpPr>
+      <p:grpSpPr>
+        <a:xfrm>
+          <a:off x="0" y="0"/>
+          <a:ext cx="0" cy="0"/>
+          <a:chOff x="0" y="0"/>
+          <a:chExt cx="0" cy="0"/>
+        </a:xfrm>
+      </p:grpSpPr>
+      <p:sp>
+        <p:nvSpPr>
+          <p:cNvPr id="13314" name="Rectangle 3"/>
+          <p:cNvSpPr>
+            <a:spLocks noGrp="1" noChangeArrowheads="1"/>
+          </p:cNvSpPr>
+          <p:nvPr>
+            <p:ph type="body" idx="1"/>
+          </p:nvPr>
+        </p:nvSpPr>
+        <p:spPr>
+          <a:xfrm>
+            <a:off x="500034" y="2857496"/>
+            <a:ext cx="8001000" cy="2233623"/>
+          </a:xfrm>
+        </p:spPr>
+        <p:txBody>
+          <a:bodyPr/>
+          <a:lstStyle/>
+          <a:p>
+            <a:pPr eaLnBrk="1" hangingPunct="1">
+              <a:buNone/>
+            </a:pPr>
+            <a:endParaRPr lang="ru-RU" dirty="0" smtClean="0"/>
+          </a:p>
+          <a:p>
+            <a:pPr algn="ctr" eaLnBrk="1" hangingPunct="1">
+              <a:buFont typeface="Wingdings" pitchFamily="2" charset="2"/>
+              <a:buNone/>
+            </a:pPr>
+            <a:r>
+              <a:rPr lang="ru-RU" dirty="0" smtClean="0"/>
+              <a:t>Спасибо </a:t>
+            </a:r>
+            <a:r>
+              <a:rPr lang="ru-RU" dirty="0" smtClean="0"/>
+              <a:t>за внимание</a:t>
+            </a:r>
+            <a:r>
+              <a:rPr lang="ru-RU" dirty="0" smtClean="0"/>
+              <a:t>!</a:t>
+            </a:r>
+            <a:endParaRPr lang="en-US" dirty="0" smtClean="0"/>
+          </a:p>
+          <a:p>
+            <a:pPr algn="ctr" eaLnBrk="1" hangingPunct="1">
+              <a:buFont typeface="Wingdings" pitchFamily="2" charset="2"/>
+              <a:buNone/>
+            </a:pPr>
+            <a:endParaRPr lang="en-US" dirty="0" smtClean="0"/>
+          </a:p>
+          <a:p>
+            <a:pPr algn="ctr" eaLnBrk="1" hangingPunct="1">
+              <a:buNone/>
+            </a:pPr>
+            <a:r>
+              <a:rPr lang="en-US" sz="1800" dirty="0" smtClean="0">
+                <a:hlinkClick r:id="rId3"/>
+              </a:rPr>
+              <a:t>ipplan2013@gmail.com</a:t>
+            </a:r>
+            <a:endParaRPr lang="ru-RU" sz="1800" dirty="0" smtClean="0"/>
+          </a:p>
+          <a:p>
+            <a:pPr algn="ctr" eaLnBrk="1" hangingPunct="1">
+              <a:buFont typeface="Wingdings" pitchFamily="2" charset="2"/>
+              <a:buNone/>
+            </a:pPr>
+            <a:endParaRPr lang="ru-RU" dirty="0" smtClean="0"/>
+          </a:p>
+        </p:txBody>
+      </p:sp>
+      <p:sp>
+        <p:nvSpPr>
+          <p:cNvPr id="9" name="Rectangle 3"/>
+          <p:cNvSpPr txBox="1">
+            <a:spLocks noChangeArrowheads="1"/>
+          </p:cNvSpPr>
+          <p:nvPr/>
+        </p:nvSpPr>
+        <p:spPr bwMode="auto">
+          <a:xfrm>
+            <a:off x="1643042" y="1785926"/>
+            <a:ext cx="7010400" cy="714375"/>
+          </a:xfrm>
+          <a:prstGeom prst="rect">
+            <a:avLst/>
+          </a:prstGeom>
+          <a:noFill/>
+          <a:ln w="9525">
+            <a:noFill/>
+            <a:miter lim="800000"/>
+            <a:headEnd/>
+            <a:tailEnd/>
+          </a:ln>
+          <a:effectLst/>
+        </p:spPr>
+        <p:txBody>
+          <a:bodyPr/>
+          <a:lstStyle/>
+          <a:p>
+            <a:pPr algn="r">
+              <a:spcBef>
+                <a:spcPct val="20000"/>
+              </a:spcBef>
+              <a:buClr>
+                <a:schemeClr val="accent2"/>
+              </a:buClr>
+              <a:defRPr/>
+            </a:pPr>
+            <a:r>
+              <a:rPr lang="ru-RU" altLang="ja-JP" sz="2000" kern="0" dirty="0">
+                <a:latin typeface="+mn-lt"/>
+              </a:rPr>
+              <a:t>планирование и контроль </a:t>
+            </a:r>
+            <a:r>
+              <a:rPr lang="ru-RU" altLang="ja-JP" sz="2000" kern="0" dirty="0" smtClean="0">
+                <a:latin typeface="+mn-lt"/>
+              </a:rPr>
+              <a:t>сделок </a:t>
+            </a:r>
+            <a:r>
+              <a:rPr lang="ru-RU" altLang="ja-JP" sz="2000" kern="0" dirty="0">
+                <a:latin typeface="+mn-lt"/>
+              </a:rPr>
+              <a:t>предпринимателя</a:t>
+            </a:r>
+            <a:endParaRPr lang="ru-RU" sz="2000" kern="0" dirty="0">
+              <a:latin typeface="+mn-lt"/>
+            </a:endParaRPr>
+          </a:p>
+        </p:txBody>
+      </p:sp>
+      <p:sp>
+        <p:nvSpPr>
+          <p:cNvPr id="10" name="Номер слайда 9"/>
+          <p:cNvSpPr>
+            <a:spLocks noGrp="1"/>
+          </p:cNvSpPr>
+          <p:nvPr>
+            <p:ph type="sldNum" sz="quarter" idx="12"/>
+          </p:nvPr>
+        </p:nvSpPr>
+        <p:spPr/>
+        <p:txBody>
+          <a:bodyPr/>
+          <a:lstStyle/>
+          <a:p>
+            <a:pPr>
+              <a:defRPr/>
+            </a:pPr>
+            <a:fld id="{33932CED-37CE-4FB4-BD55-516233DF09EC}" type="slidenum">
+              <a:rPr lang="ru-RU">
+                <a:solidFill>
+                  <a:schemeClr val="accent6"/>
+                </a:solidFill>
+              </a:rPr>
+              <a:pPr>
+                <a:defRPr/>
+              </a:pPr>
+              <a:t>13</a:t>
+            </a:fld>
+            <a:endParaRPr lang="ru-RU" dirty="0">
+              <a:solidFill>
+                <a:schemeClr val="accent6"/>
+              </a:solidFill>
+            </a:endParaRPr>
+          </a:p>
+        </p:txBody>
+      </p:sp>
+      <p:pic>
+        <p:nvPicPr>
+          <p:cNvPr id="7" name="Рисунок 6" descr="logo5.png"/>
+          <p:cNvPicPr>
+            <a:picLocks noChangeAspect="1"/>
+          </p:cNvPicPr>
+          <p:nvPr/>
+        </p:nvPicPr>
+        <p:blipFill>
+          <a:blip r:embed="rId4"/>
+          <a:stretch>
+            <a:fillRect/>
+          </a:stretch>
+        </p:blipFill>
+        <p:spPr>
+          <a:xfrm>
+            <a:off x="571472" y="928670"/>
+            <a:ext cx="3000396" cy="586854"/>
+          </a:xfrm>
+          <a:prstGeom prst="rect">
+            <a:avLst/>
+          </a:prstGeom>
+        </p:spPr>
+      </p:pic>
       <p:sp>
         <p:nvSpPr>
           <p:cNvPr id="8" name="TextBox 7"/>
@@ -7276,10 +7863,12 @@
           <a:lstStyle/>
           <a:p>
             <a:r>
-              <a:rPr lang="en-US" dirty="0" smtClean="0"/>
+              <a:rPr lang="en-US" dirty="0" smtClean="0">
+                <a:hlinkClick r:id="rId5"/>
+              </a:rPr>
               <a:t>www.ipplan.ru</a:t>
             </a:r>
-            <a:endParaRPr lang="ru-RU" dirty="0"/>
+            <a:endParaRPr lang="ru-RU" dirty="0" smtClean="0"/>
           </a:p>
         </p:txBody>
       </p:sp>
@@ -8257,11 +8846,7 @@
             <a:pPr lvl="1" eaLnBrk="1" hangingPunct="1"/>
             <a:r>
               <a:rPr lang="ru-RU" sz="2200" dirty="0" smtClean="0"/>
-              <a:t>700 тыс. пользователей – оценка основанная на анализе статистических </a:t>
-            </a:r>
-            <a:r>
-              <a:rPr lang="ru-RU" sz="2200" dirty="0" smtClean="0"/>
-              <a:t>данных</a:t>
+              <a:t>700 тыс. пользователей – оценка основанная на анализе статистических данных</a:t>
             </a:r>
             <a:r>
               <a:rPr lang="en-US" sz="2200" dirty="0" smtClean="0"/>
@@ -8271,7 +8856,6 @@
               <a:rPr lang="ru-RU" sz="2200" dirty="0" smtClean="0"/>
               <a:t>Росстат РФ</a:t>
             </a:r>
-            <a:endParaRPr lang="ru-RU" sz="2200" dirty="0" smtClean="0"/>
           </a:p>
           <a:p>
             <a:pPr lvl="1" eaLnBrk="1" hangingPunct="1"/>
@@ -8295,8 +8879,16 @@
           <a:p>
             <a:pPr lvl="1" eaLnBrk="1" hangingPunct="1"/>
             <a:r>
+              <a:rPr lang="en-US" sz="2200" b="1" dirty="0" smtClean="0"/>
+              <a:t>7</a:t>
+            </a:r>
+            <a:r>
               <a:rPr lang="ru-RU" sz="2200" b="1" dirty="0" smtClean="0"/>
-              <a:t>21 тыс.</a:t>
+              <a:t> </a:t>
+            </a:r>
+            <a:r>
+              <a:rPr lang="ru-RU" sz="2200" b="1" dirty="0" smtClean="0"/>
+              <a:t>тыс.</a:t>
             </a:r>
             <a:r>
               <a:rPr lang="ru-RU" sz="2200" dirty="0" smtClean="0"/>
@@ -8308,11 +8900,11 @@
             </a:r>
             <a:r>
               <a:rPr lang="ru-RU" sz="2200" dirty="0" smtClean="0"/>
-              <a:t> (конверсия 3</a:t>
+              <a:t> (конверсия </a:t>
             </a:r>
             <a:r>
               <a:rPr lang="en-US" sz="2200" dirty="0" smtClean="0"/>
-              <a:t>%</a:t>
+              <a:t>1%</a:t>
             </a:r>
             <a:r>
               <a:rPr lang="ru-RU" sz="2200" dirty="0" smtClean="0"/>
@@ -8471,10 +9063,10 @@
               <a:t> </a:t>
             </a:r>
             <a:r>
-              <a:rPr lang="en-US" b="1" dirty="0" err="1" smtClean="0"/>
+              <a:rPr lang="en-US" dirty="0" err="1" smtClean="0"/>
               <a:t>amoCRM</a:t>
             </a:r>
-            <a:endParaRPr lang="ru-RU" b="1" dirty="0" smtClean="0">
+            <a:endParaRPr lang="ru-RU" dirty="0" smtClean="0">
               <a:latin typeface="Arial" charset="0"/>
             </a:endParaRPr>
           </a:p>
@@ -8487,13 +9079,7 @@
               <a:rPr lang="ru-RU" sz="1800" dirty="0" smtClean="0">
                 <a:latin typeface="Arial" charset="0"/>
               </a:rPr>
-              <a:t>Функциональный аналог  в части продаж. Вопросы </a:t>
-            </a:r>
-            <a:r>
-              <a:rPr lang="ru-RU" sz="1800" dirty="0" smtClean="0">
-                <a:latin typeface="Arial" charset="0"/>
-              </a:rPr>
-              <a:t>исполнения контракта не автоматизированы. Обзор </a:t>
+              <a:t>Функциональный аналог  в части продаж. Вопросы исполнения контракта не автоматизированы. Обзор </a:t>
             </a:r>
             <a:r>
               <a:rPr lang="en-US" sz="1800" dirty="0" smtClean="0">
@@ -8514,11 +9100,7 @@
             </a:r>
             <a:r>
               <a:rPr lang="en-US" dirty="0" smtClean="0"/>
-              <a:t> </a:t>
-            </a:r>
-            <a:r>
-              <a:rPr lang="en-US" dirty="0" smtClean="0"/>
-              <a:t>CRM</a:t>
+              <a:t> CRM</a:t>
             </a:r>
             <a:endParaRPr lang="ru-RU" dirty="0" smtClean="0">
               <a:latin typeface="Arial" charset="0"/>
@@ -8544,25 +9126,7 @@
               <a:rPr lang="ru-RU" sz="1800" dirty="0" smtClean="0">
                 <a:latin typeface="Arial" charset="0"/>
               </a:rPr>
-              <a:t>система</a:t>
-            </a:r>
-            <a:r>
-              <a:rPr lang="ru-RU" sz="1800" dirty="0" smtClean="0">
-                <a:latin typeface="Arial" charset="0"/>
-              </a:rPr>
-              <a:t>. </a:t>
-            </a:r>
-            <a:r>
-              <a:rPr lang="ru-RU" sz="1800" dirty="0" smtClean="0">
-                <a:latin typeface="Arial" charset="0"/>
-              </a:rPr>
-              <a:t>Вопросы исполнения контракта не автоматизированы. </a:t>
-            </a:r>
-            <a:r>
-              <a:rPr lang="ru-RU" sz="1800" dirty="0" smtClean="0">
-                <a:latin typeface="Arial" charset="0"/>
-              </a:rPr>
-              <a:t>Обзор </a:t>
+              <a:t>система. Вопросы исполнения контракта не автоматизированы. Обзор </a:t>
             </a:r>
             <a:r>
               <a:rPr lang="en-US" sz="1800" dirty="0" smtClean="0">
@@ -9005,14 +9569,14 @@
           <a:p>
             <a:pPr eaLnBrk="1" hangingPunct="1"/>
             <a:r>
-              <a:rPr lang="en-US" sz="3600" smtClean="0"/>
+              <a:rPr lang="en-US" sz="4000" dirty="0" smtClean="0"/>
               <a:t>:</a:t>
             </a:r>
             <a:r>
-              <a:rPr lang="ru-RU" sz="2800" smtClean="0"/>
-              <a:t>финансовые показатели</a:t>
-            </a:r>
-            <a:endParaRPr lang="ru-RU" sz="3600" smtClean="0"/>
+              <a:rPr lang="ru-RU" sz="3200" dirty="0" smtClean="0"/>
+              <a:t>бизнес-модель</a:t>
+            </a:r>
+            <a:endParaRPr lang="ru-RU" sz="4000" dirty="0" smtClean="0"/>
           </a:p>
         </p:txBody>
       </p:sp>
@@ -9028,8 +9592,8 @@
         </p:nvSpPr>
         <p:spPr>
           <a:xfrm>
-            <a:off x="785786" y="4929198"/>
-            <a:ext cx="7966075" cy="1420830"/>
+            <a:off x="4572000" y="4929198"/>
+            <a:ext cx="4286280" cy="1071570"/>
           </a:xfrm>
         </p:spPr>
         <p:txBody>
@@ -9042,46 +9606,42 @@
               </a:lnSpc>
             </a:pPr>
             <a:r>
-              <a:rPr lang="en-US" sz="2400" dirty="0" smtClean="0"/>
+              <a:rPr lang="en-US" sz="1800" dirty="0" smtClean="0"/>
               <a:t>NPV(12% </a:t>
             </a:r>
             <a:r>
-              <a:rPr lang="ru-RU" sz="2400" dirty="0" smtClean="0"/>
+              <a:rPr lang="ru-RU" sz="1800" dirty="0" smtClean="0"/>
               <a:t>дисконт</a:t>
             </a:r>
             <a:r>
-              <a:rPr lang="en-US" sz="2400" dirty="0" smtClean="0"/>
+              <a:rPr lang="en-US" sz="1800" dirty="0" smtClean="0"/>
               <a:t>)</a:t>
             </a:r>
             <a:r>
-              <a:rPr lang="ru-RU" sz="2400" dirty="0" smtClean="0"/>
+              <a:rPr lang="ru-RU" sz="1800" dirty="0" smtClean="0"/>
               <a:t> </a:t>
             </a:r>
             <a:r>
-              <a:rPr lang="en-US" sz="2400" dirty="0" smtClean="0"/>
+              <a:rPr lang="en-US" sz="1800" dirty="0" smtClean="0"/>
               <a:t>-</a:t>
             </a:r>
             <a:r>
-              <a:rPr lang="ru-RU" sz="2400" dirty="0" smtClean="0"/>
+              <a:rPr lang="ru-RU" sz="1800" dirty="0" smtClean="0"/>
               <a:t> </a:t>
             </a:r>
             <a:r>
-              <a:rPr lang="en-US" sz="2400" b="1" dirty="0" smtClean="0"/>
+              <a:rPr lang="en-US" sz="1800" b="1" dirty="0" smtClean="0"/>
               <a:t>2</a:t>
             </a:r>
             <a:r>
-              <a:rPr lang="ru-RU" sz="2400" b="1" dirty="0" smtClean="0"/>
-              <a:t>1 </a:t>
-            </a:r>
-            <a:r>
-              <a:rPr lang="ru-RU" sz="2400" b="1" dirty="0" smtClean="0"/>
-              <a:t>млн</a:t>
-            </a:r>
-            <a:r>
-              <a:rPr lang="ru-RU" sz="2400" dirty="0" smtClean="0"/>
+              <a:rPr lang="ru-RU" sz="1800" b="1" dirty="0" smtClean="0"/>
+              <a:t>1 млн</a:t>
+            </a:r>
+            <a:r>
+              <a:rPr lang="ru-RU" sz="1800" dirty="0" smtClean="0"/>
               <a:t>.</a:t>
             </a:r>
-            <a:endParaRPr lang="en-US" sz="2400" dirty="0" smtClean="0"/>
+            <a:endParaRPr lang="en-US" sz="1800" dirty="0" smtClean="0"/>
           </a:p>
           <a:p>
             <a:pPr eaLnBrk="1" hangingPunct="1">
@@ -9090,30 +9650,25 @@
               </a:lnSpc>
             </a:pPr>
             <a:r>
-              <a:rPr lang="en-US" sz="2400" dirty="0" smtClean="0"/>
-              <a:t>IRR </a:t>
-            </a:r>
-            <a:r>
-              <a:rPr lang="en-US" sz="2400" dirty="0" smtClean="0"/>
-              <a:t>–</a:t>
-            </a:r>
-            <a:r>
-              <a:rPr lang="ru-RU" sz="2400" dirty="0" smtClean="0"/>
+              <a:rPr lang="en-US" sz="1800" dirty="0" smtClean="0"/>
+              <a:t>IRR –</a:t>
+            </a:r>
+            <a:r>
+              <a:rPr lang="ru-RU" sz="1800" dirty="0" smtClean="0"/>
               <a:t> </a:t>
             </a:r>
             <a:r>
-              <a:rPr lang="en-US" sz="2400" b="1" dirty="0" smtClean="0"/>
+              <a:rPr lang="en-US" sz="1800" b="1" dirty="0" smtClean="0"/>
               <a:t>10</a:t>
             </a:r>
             <a:r>
-              <a:rPr lang="ru-RU" sz="2400" b="1" dirty="0" smtClean="0"/>
+              <a:rPr lang="ru-RU" sz="1800" b="1" dirty="0" smtClean="0"/>
               <a:t>7</a:t>
             </a:r>
             <a:r>
-              <a:rPr lang="en-US" sz="2400" b="1" dirty="0" smtClean="0"/>
+              <a:rPr lang="en-US" sz="1800" b="1" dirty="0" smtClean="0"/>
               <a:t>%</a:t>
             </a:r>
-            <a:endParaRPr lang="en-US" sz="2400" b="1" dirty="0" smtClean="0"/>
           </a:p>
           <a:p>
             <a:pPr eaLnBrk="1" hangingPunct="1">
@@ -9122,18 +9677,18 @@
               </a:lnSpc>
             </a:pPr>
             <a:r>
-              <a:rPr lang="en-US" sz="2400" dirty="0" smtClean="0"/>
+              <a:rPr lang="en-US" sz="1800" dirty="0" smtClean="0"/>
               <a:t>ROI – </a:t>
             </a:r>
             <a:r>
-              <a:rPr lang="ru-RU" sz="2400" b="1" dirty="0" smtClean="0"/>
+              <a:rPr lang="ru-RU" sz="1800" b="1" dirty="0" smtClean="0"/>
               <a:t>310</a:t>
             </a:r>
             <a:r>
-              <a:rPr lang="en-US" sz="2400" b="1" dirty="0" smtClean="0"/>
+              <a:rPr lang="en-US" sz="1800" b="1" dirty="0" smtClean="0"/>
               <a:t>%</a:t>
             </a:r>
-            <a:endParaRPr lang="ru-RU" sz="2400" b="1" dirty="0" smtClean="0"/>
+            <a:endParaRPr lang="ru-RU" sz="2000" b="1" dirty="0" smtClean="0"/>
           </a:p>
         </p:txBody>
       </p:sp>
@@ -9214,6 +9769,44 @@
           </a:graphicData>
         </a:graphic>
       </p:graphicFrame>
+      <p:sp>
+        <p:nvSpPr>
+          <p:cNvPr id="11" name="TextBox 10"/>
+          <p:cNvSpPr txBox="1"/>
+          <p:nvPr/>
+        </p:nvSpPr>
+        <p:spPr>
+          <a:xfrm>
+            <a:off x="642910" y="4929198"/>
+            <a:ext cx="3929090" cy="1077218"/>
+          </a:xfrm>
+          <a:prstGeom prst="rect">
+            <a:avLst/>
+          </a:prstGeom>
+          <a:noFill/>
+        </p:spPr>
+        <p:txBody>
+          <a:bodyPr wrap="square" rtlCol="0">
+            <a:spAutoFit/>
+          </a:bodyPr>
+          <a:lstStyle/>
+          <a:p>
+            <a:r>
+              <a:rPr lang="ru-RU" sz="1600" dirty="0" smtClean="0"/>
+              <a:t>Ежемесячная плата за пользование сервисом. Основным параметром является кол-во платных </a:t>
+            </a:r>
+            <a:r>
+              <a:rPr lang="ru-RU" sz="1600" dirty="0" err="1" smtClean="0"/>
+              <a:t>аккаунтов</a:t>
+            </a:r>
+            <a:r>
+              <a:rPr lang="ru-RU" sz="1600" dirty="0" smtClean="0"/>
+              <a:t>.</a:t>
+            </a:r>
+            <a:endParaRPr lang="ru-RU" sz="1600" dirty="0"/>
+          </a:p>
+        </p:txBody>
+      </p:sp>
     </p:spTree>
   </p:cSld>
   <p:clrMapOvr>
